--- a/Progetto di Calcolatori Elettronici M.pptx
+++ b/Progetto di Calcolatori Elettronici M.pptx
@@ -196,7 +196,8 @@
           <a:p>
             <a:fld id="{568C05EA-012E-4E6E-9669-8DCAEEA55B9C}" type="datetimeFigureOut">
               <a:rPr lang="it-IT" smtClean="0"/>
-              <a:t>06/09/2019</a:t>
+              <a:pPr/>
+              <a:t>09/09/2019</a:t>
             </a:fld>
             <a:endParaRPr lang="it-IT"/>
           </a:p>
@@ -357,6 +358,7 @@
           <a:p>
             <a:fld id="{6E93514F-85CA-4CE7-B40E-691578EA759B}" type="slidenum">
               <a:rPr lang="it-IT" smtClean="0"/>
+              <a:pPr/>
               <a:t>‹N›</a:t>
             </a:fld>
             <a:endParaRPr lang="it-IT"/>
@@ -507,7 +509,25 @@
           </a:bodyPr>
           <a:lstStyle/>
           <a:p>
-            <a:endParaRPr lang="it-IT" dirty="0"/>
+            <a:r>
+              <a:rPr lang="it-IT" dirty="0" smtClean="0">
+                <a:hlinkClick r:id="rId3"/>
+              </a:rPr>
+              <a:t>http://www.visualdataweb.de/</a:t>
+            </a:r>
+            <a:r>
+              <a:rPr lang="it-IT" dirty="0" err="1" smtClean="0">
+                <a:hlinkClick r:id="rId3"/>
+              </a:rPr>
+              <a:t>webvowl</a:t>
+            </a:r>
+            <a:r>
+              <a:rPr lang="it-IT" smtClean="0">
+                <a:hlinkClick r:id="rId3"/>
+              </a:rPr>
+              <a:t>/</a:t>
+            </a:r>
+            <a:endParaRPr lang="it-IT"/>
           </a:p>
         </p:txBody>
       </p:sp>
@@ -528,7 +548,8 @@
           <a:p>
             <a:fld id="{6E93514F-85CA-4CE7-B40E-691578EA759B}" type="slidenum">
               <a:rPr lang="it-IT" smtClean="0"/>
-              <a:t>2</a:t>
+              <a:pPr/>
+              <a:t>1</a:t>
             </a:fld>
             <a:endParaRPr lang="it-IT"/>
           </a:p>
@@ -588,6 +609,88 @@
           </a:bodyPr>
           <a:lstStyle/>
           <a:p>
+            <a:endParaRPr lang="it-IT" dirty="0"/>
+          </a:p>
+        </p:txBody>
+      </p:sp>
+      <p:sp>
+        <p:nvSpPr>
+          <p:cNvPr id="4" name="Segnaposto numero diapositiva 3"/>
+          <p:cNvSpPr>
+            <a:spLocks noGrp="1"/>
+          </p:cNvSpPr>
+          <p:nvPr>
+            <p:ph type="sldNum" sz="quarter" idx="10"/>
+          </p:nvPr>
+        </p:nvSpPr>
+        <p:spPr/>
+        <p:txBody>
+          <a:bodyPr/>
+          <a:lstStyle/>
+          <a:p>
+            <a:fld id="{6E93514F-85CA-4CE7-B40E-691578EA759B}" type="slidenum">
+              <a:rPr lang="it-IT" smtClean="0"/>
+              <a:pPr/>
+              <a:t>2</a:t>
+            </a:fld>
+            <a:endParaRPr lang="it-IT"/>
+          </a:p>
+        </p:txBody>
+      </p:sp>
+    </p:spTree>
+  </p:cSld>
+  <p:clrMapOvr>
+    <a:masterClrMapping/>
+  </p:clrMapOvr>
+</p:notes>
+</file>
+
+<file path=ppt/notesSlides/notesSlide3.xml><?xml version="1.0" encoding="utf-8"?>
+<p:notes xmlns:a="http://schemas.openxmlformats.org/drawingml/2006/main" xmlns:r="http://schemas.openxmlformats.org/officeDocument/2006/relationships" xmlns:p="http://schemas.openxmlformats.org/presentationml/2006/main">
+  <p:cSld>
+    <p:spTree>
+      <p:nvGrpSpPr>
+        <p:cNvPr id="1" name=""/>
+        <p:cNvGrpSpPr/>
+        <p:nvPr/>
+      </p:nvGrpSpPr>
+      <p:grpSpPr>
+        <a:xfrm>
+          <a:off x="0" y="0"/>
+          <a:ext cx="0" cy="0"/>
+          <a:chOff x="0" y="0"/>
+          <a:chExt cx="0" cy="0"/>
+        </a:xfrm>
+      </p:grpSpPr>
+      <p:sp>
+        <p:nvSpPr>
+          <p:cNvPr id="2" name="Segnaposto immagine diapositiva 1"/>
+          <p:cNvSpPr>
+            <a:spLocks noGrp="1" noRot="1" noChangeAspect="1"/>
+          </p:cNvSpPr>
+          <p:nvPr>
+            <p:ph type="sldImg"/>
+          </p:nvPr>
+        </p:nvSpPr>
+        <p:spPr/>
+      </p:sp>
+      <p:sp>
+        <p:nvSpPr>
+          <p:cNvPr id="3" name="Segnaposto note 2"/>
+          <p:cNvSpPr>
+            <a:spLocks noGrp="1"/>
+          </p:cNvSpPr>
+          <p:nvPr>
+            <p:ph type="body" idx="1"/>
+          </p:nvPr>
+        </p:nvSpPr>
+        <p:spPr/>
+        <p:txBody>
+          <a:bodyPr>
+            <a:normAutofit/>
+          </a:bodyPr>
+          <a:lstStyle/>
+          <a:p>
             <a:r>
               <a:rPr lang="it-IT" dirty="0" smtClean="0"/>
               <a:t>Politiche:</a:t>
@@ -648,13 +751,7 @@
               <a:rPr lang="it-IT" baseline="0" dirty="0" smtClean="0">
                 <a:sym typeface="Wingdings" pitchFamily="2" charset="2"/>
               </a:rPr>
-              <a:t> </a:t>
-            </a:r>
-            <a:r>
-              <a:rPr lang="it-IT" baseline="0" dirty="0" smtClean="0">
-                <a:sym typeface="Wingdings" pitchFamily="2" charset="2"/>
-              </a:rPr>
-              <a:t>, ricaricando le auto solo fino al 50%, tutto questo fino a che lo </a:t>
+              <a:t> , ricaricando le auto solo fino al 50%, tutto questo fino a che lo </a:t>
             </a:r>
             <a:r>
               <a:rPr lang="it-IT" baseline="0" dirty="0" err="1" smtClean="0">
@@ -666,13 +763,7 @@
               <a:rPr lang="it-IT" baseline="0" dirty="0" smtClean="0">
                 <a:sym typeface="Wingdings" pitchFamily="2" charset="2"/>
               </a:rPr>
-              <a:t> </a:t>
-            </a:r>
-            <a:r>
-              <a:rPr lang="it-IT" baseline="0" dirty="0" smtClean="0">
-                <a:sym typeface="Wingdings" pitchFamily="2" charset="2"/>
-              </a:rPr>
-              <a:t>non arriva al 40%</a:t>
+              <a:t> non arriva al 40%</a:t>
             </a:r>
           </a:p>
           <a:p>
@@ -696,13 +787,7 @@
               <a:rPr lang="it-IT" baseline="0" dirty="0" smtClean="0">
                 <a:sym typeface="Wingdings" pitchFamily="2" charset="2"/>
               </a:rPr>
-              <a:t> </a:t>
-            </a:r>
-            <a:r>
-              <a:rPr lang="it-IT" baseline="0" dirty="0" smtClean="0">
-                <a:sym typeface="Wingdings" pitchFamily="2" charset="2"/>
-              </a:rPr>
-              <a:t>è sopra il 40% mi stacco dalla rete elettrica nazionale e carico le auto sino al 100% prendendo energia dallo </a:t>
+              <a:t> è sopra il 40% mi stacco dalla rete elettrica nazionale e carico le auto sino al 100% prendendo energia dallo </a:t>
             </a:r>
             <a:r>
               <a:rPr lang="it-IT" baseline="0" dirty="0" err="1" smtClean="0">
@@ -714,13 +799,7 @@
               <a:rPr lang="it-IT" baseline="0" dirty="0" smtClean="0">
                 <a:sym typeface="Wingdings" pitchFamily="2" charset="2"/>
               </a:rPr>
-              <a:t> </a:t>
-            </a:r>
-            <a:r>
-              <a:rPr lang="it-IT" baseline="0" dirty="0" smtClean="0">
-                <a:sym typeface="Wingdings" pitchFamily="2" charset="2"/>
-              </a:rPr>
-              <a:t>che si ricarica dai pannelli. (I panelli sono sempre collegati, ma la loro potenza deriva dal meteo)</a:t>
+              <a:t> che si ricarica dai pannelli. (I panelli sono sempre collegati, ma la loro potenza deriva dal meteo)</a:t>
             </a:r>
           </a:p>
           <a:p>
@@ -756,13 +835,7 @@
               <a:rPr lang="it-IT" baseline="0" dirty="0" smtClean="0">
                 <a:sym typeface="Wingdings" pitchFamily="2" charset="2"/>
               </a:rPr>
-              <a:t> </a:t>
-            </a:r>
-            <a:r>
-              <a:rPr lang="it-IT" baseline="0" dirty="0" smtClean="0">
-                <a:sym typeface="Wingdings" pitchFamily="2" charset="2"/>
-              </a:rPr>
-              <a:t>è sempre attaccato alla rete elettrica nazionale e le auto sono sempre ricaricate sino al 100%</a:t>
+              <a:t> è sempre attaccato alla rete elettrica nazionale e le auto sono sempre ricaricate sino al 100%</a:t>
             </a:r>
           </a:p>
           <a:p>
@@ -820,7 +893,133 @@
           <a:p>
             <a:fld id="{6E93514F-85CA-4CE7-B40E-691578EA759B}" type="slidenum">
               <a:rPr lang="it-IT" smtClean="0"/>
+              <a:pPr/>
               <a:t>3</a:t>
+            </a:fld>
+            <a:endParaRPr lang="it-IT"/>
+          </a:p>
+        </p:txBody>
+      </p:sp>
+    </p:spTree>
+  </p:cSld>
+  <p:clrMapOvr>
+    <a:masterClrMapping/>
+  </p:clrMapOvr>
+</p:notes>
+</file>
+
+<file path=ppt/notesSlides/notesSlide4.xml><?xml version="1.0" encoding="utf-8"?>
+<p:notes xmlns:a="http://schemas.openxmlformats.org/drawingml/2006/main" xmlns:r="http://schemas.openxmlformats.org/officeDocument/2006/relationships" xmlns:p="http://schemas.openxmlformats.org/presentationml/2006/main">
+  <p:cSld>
+    <p:spTree>
+      <p:nvGrpSpPr>
+        <p:cNvPr id="1" name=""/>
+        <p:cNvGrpSpPr/>
+        <p:nvPr/>
+      </p:nvGrpSpPr>
+      <p:grpSpPr>
+        <a:xfrm>
+          <a:off x="0" y="0"/>
+          <a:ext cx="0" cy="0"/>
+          <a:chOff x="0" y="0"/>
+          <a:chExt cx="0" cy="0"/>
+        </a:xfrm>
+      </p:grpSpPr>
+      <p:sp>
+        <p:nvSpPr>
+          <p:cNvPr id="2" name="Segnaposto immagine diapositiva 1"/>
+          <p:cNvSpPr>
+            <a:spLocks noGrp="1" noRot="1" noChangeAspect="1"/>
+          </p:cNvSpPr>
+          <p:nvPr>
+            <p:ph type="sldImg"/>
+          </p:nvPr>
+        </p:nvSpPr>
+        <p:spPr/>
+      </p:sp>
+      <p:sp>
+        <p:nvSpPr>
+          <p:cNvPr id="3" name="Segnaposto note 2"/>
+          <p:cNvSpPr>
+            <a:spLocks noGrp="1"/>
+          </p:cNvSpPr>
+          <p:nvPr>
+            <p:ph type="body" idx="1"/>
+          </p:nvPr>
+        </p:nvSpPr>
+        <p:spPr/>
+        <p:txBody>
+          <a:bodyPr>
+            <a:normAutofit/>
+          </a:bodyPr>
+          <a:lstStyle/>
+          <a:p>
+            <a:r>
+              <a:rPr lang="it-IT" dirty="0" err="1" smtClean="0"/>
+              <a:t>Sib-</a:t>
+            </a:r>
+            <a:r>
+              <a:rPr lang="it-IT" dirty="0" smtClean="0"/>
+              <a:t>&gt;non è permanente,</a:t>
+            </a:r>
+            <a:r>
+              <a:rPr lang="it-IT" baseline="0" dirty="0" smtClean="0"/>
+              <a:t> non ha tutte le </a:t>
+            </a:r>
+            <a:r>
+              <a:rPr lang="it-IT" baseline="0" dirty="0" err="1" smtClean="0"/>
+              <a:t>funzionalita</a:t>
+            </a:r>
+            <a:r>
+              <a:rPr lang="it-IT" baseline="0" dirty="0" smtClean="0"/>
+              <a:t> di SEPA (esempio-&gt; </a:t>
+            </a:r>
+            <a:r>
+              <a:rPr lang="it-IT" baseline="0" dirty="0" err="1" smtClean="0"/>
+              <a:t>timestamp</a:t>
+            </a:r>
+            <a:r>
+              <a:rPr lang="it-IT" baseline="0" dirty="0" smtClean="0"/>
+              <a:t>)</a:t>
+            </a:r>
+            <a:endParaRPr lang="it-IT" dirty="0" smtClean="0"/>
+          </a:p>
+          <a:p>
+            <a:r>
+              <a:rPr lang="it-IT" dirty="0" smtClean="0"/>
+              <a:t>SEPA-&gt;</a:t>
+            </a:r>
+            <a:r>
+              <a:rPr lang="it-IT" baseline="0" dirty="0" smtClean="0"/>
+              <a:t> Gestisce </a:t>
+            </a:r>
+            <a:r>
+              <a:rPr lang="it-IT" baseline="0" dirty="0" err="1" smtClean="0"/>
+              <a:t>sparql</a:t>
+            </a:r>
+            <a:endParaRPr lang="it-IT" dirty="0"/>
+          </a:p>
+        </p:txBody>
+      </p:sp>
+      <p:sp>
+        <p:nvSpPr>
+          <p:cNvPr id="4" name="Segnaposto numero diapositiva 3"/>
+          <p:cNvSpPr>
+            <a:spLocks noGrp="1"/>
+          </p:cNvSpPr>
+          <p:nvPr>
+            <p:ph type="sldNum" sz="quarter" idx="10"/>
+          </p:nvPr>
+        </p:nvSpPr>
+        <p:spPr/>
+        <p:txBody>
+          <a:bodyPr/>
+          <a:lstStyle/>
+          <a:p>
+            <a:fld id="{6E93514F-85CA-4CE7-B40E-691578EA759B}" type="slidenum">
+              <a:rPr lang="it-IT" smtClean="0"/>
+              <a:pPr/>
+              <a:t>5</a:t>
             </a:fld>
             <a:endParaRPr lang="it-IT"/>
           </a:p>
@@ -1459,7 +1658,8 @@
           <a:p>
             <a:fld id="{9C5E9E46-A04A-498D-8B3B-78CAA83A4756}" type="datetimeFigureOut">
               <a:rPr lang="it-IT" smtClean="0"/>
-              <a:t>06/09/2019</a:t>
+              <a:pPr/>
+              <a:t>09/09/2019</a:t>
             </a:fld>
             <a:endParaRPr lang="it-IT"/>
           </a:p>
@@ -1521,6 +1721,7 @@
           <a:p>
             <a:fld id="{6AC436C0-599C-402C-8FE0-A18BA4A0D950}" type="slidenum">
               <a:rPr lang="it-IT" smtClean="0"/>
+              <a:pPr/>
               <a:t>‹N›</a:t>
             </a:fld>
             <a:endParaRPr lang="it-IT"/>
@@ -1655,7 +1856,8 @@
           <a:p>
             <a:fld id="{9C5E9E46-A04A-498D-8B3B-78CAA83A4756}" type="datetimeFigureOut">
               <a:rPr lang="it-IT" smtClean="0"/>
-              <a:t>06/09/2019</a:t>
+              <a:pPr/>
+              <a:t>09/09/2019</a:t>
             </a:fld>
             <a:endParaRPr lang="it-IT"/>
           </a:p>
@@ -1701,6 +1903,7 @@
           <a:p>
             <a:fld id="{6AC436C0-599C-402C-8FE0-A18BA4A0D950}" type="slidenum">
               <a:rPr lang="it-IT" smtClean="0"/>
+              <a:pPr/>
               <a:t>‹N›</a:t>
             </a:fld>
             <a:endParaRPr lang="it-IT"/>
@@ -1840,7 +2043,8 @@
           <a:p>
             <a:fld id="{9C5E9E46-A04A-498D-8B3B-78CAA83A4756}" type="datetimeFigureOut">
               <a:rPr lang="it-IT" smtClean="0"/>
-              <a:t>06/09/2019</a:t>
+              <a:pPr/>
+              <a:t>09/09/2019</a:t>
             </a:fld>
             <a:endParaRPr lang="it-IT"/>
           </a:p>
@@ -1886,6 +2090,7 @@
           <a:p>
             <a:fld id="{6AC436C0-599C-402C-8FE0-A18BA4A0D950}" type="slidenum">
               <a:rPr lang="it-IT" smtClean="0"/>
+              <a:pPr/>
               <a:t>‹N›</a:t>
             </a:fld>
             <a:endParaRPr lang="it-IT"/>
@@ -1990,7 +2195,8 @@
           <a:p>
             <a:fld id="{9C5E9E46-A04A-498D-8B3B-78CAA83A4756}" type="datetimeFigureOut">
               <a:rPr lang="it-IT" smtClean="0"/>
-              <a:t>06/09/2019</a:t>
+              <a:pPr/>
+              <a:t>09/09/2019</a:t>
             </a:fld>
             <a:endParaRPr lang="it-IT"/>
           </a:p>
@@ -2036,6 +2242,7 @@
           <a:p>
             <a:fld id="{6AC436C0-599C-402C-8FE0-A18BA4A0D950}" type="slidenum">
               <a:rPr lang="it-IT" smtClean="0"/>
+              <a:pPr/>
               <a:t>‹N›</a:t>
             </a:fld>
             <a:endParaRPr lang="it-IT"/>
@@ -2245,7 +2452,8 @@
           <a:p>
             <a:fld id="{9C5E9E46-A04A-498D-8B3B-78CAA83A4756}" type="datetimeFigureOut">
               <a:rPr lang="it-IT" smtClean="0"/>
-              <a:t>06/09/2019</a:t>
+              <a:pPr/>
+              <a:t>09/09/2019</a:t>
             </a:fld>
             <a:endParaRPr lang="it-IT"/>
           </a:p>
@@ -2291,6 +2499,7 @@
           <a:p>
             <a:fld id="{6AC436C0-599C-402C-8FE0-A18BA4A0D950}" type="slidenum">
               <a:rPr lang="it-IT" smtClean="0"/>
+              <a:pPr/>
               <a:t>‹N›</a:t>
             </a:fld>
             <a:endParaRPr lang="it-IT"/>
@@ -2654,7 +2863,8 @@
           <a:p>
             <a:fld id="{9C5E9E46-A04A-498D-8B3B-78CAA83A4756}" type="datetimeFigureOut">
               <a:rPr lang="it-IT" smtClean="0"/>
-              <a:t>06/09/2019</a:t>
+              <a:pPr/>
+              <a:t>09/09/2019</a:t>
             </a:fld>
             <a:endParaRPr lang="it-IT"/>
           </a:p>
@@ -2700,6 +2910,7 @@
           <a:p>
             <a:fld id="{6AC436C0-599C-402C-8FE0-A18BA4A0D950}" type="slidenum">
               <a:rPr lang="it-IT" smtClean="0"/>
+              <a:pPr/>
               <a:t>‹N›</a:t>
             </a:fld>
             <a:endParaRPr lang="it-IT"/>
@@ -3100,7 +3311,8 @@
           <a:p>
             <a:fld id="{9C5E9E46-A04A-498D-8B3B-78CAA83A4756}" type="datetimeFigureOut">
               <a:rPr lang="it-IT" smtClean="0"/>
-              <a:t>06/09/2019</a:t>
+              <a:pPr/>
+              <a:t>09/09/2019</a:t>
             </a:fld>
             <a:endParaRPr lang="it-IT"/>
           </a:p>
@@ -3146,6 +3358,7 @@
           <a:p>
             <a:fld id="{6AC436C0-599C-402C-8FE0-A18BA4A0D950}" type="slidenum">
               <a:rPr lang="it-IT" smtClean="0"/>
+              <a:pPr/>
               <a:t>‹N›</a:t>
             </a:fld>
             <a:endParaRPr lang="it-IT"/>
@@ -3201,7 +3414,8 @@
           <a:p>
             <a:fld id="{9C5E9E46-A04A-498D-8B3B-78CAA83A4756}" type="datetimeFigureOut">
               <a:rPr lang="it-IT" smtClean="0"/>
-              <a:t>06/09/2019</a:t>
+              <a:pPr/>
+              <a:t>09/09/2019</a:t>
             </a:fld>
             <a:endParaRPr lang="it-IT"/>
           </a:p>
@@ -3247,6 +3461,7 @@
           <a:p>
             <a:fld id="{6AC436C0-599C-402C-8FE0-A18BA4A0D950}" type="slidenum">
               <a:rPr lang="it-IT" smtClean="0"/>
+              <a:pPr/>
               <a:t>‹N›</a:t>
             </a:fld>
             <a:endParaRPr lang="it-IT"/>
@@ -3322,7 +3537,8 @@
           <a:p>
             <a:fld id="{9C5E9E46-A04A-498D-8B3B-78CAA83A4756}" type="datetimeFigureOut">
               <a:rPr lang="it-IT" smtClean="0"/>
-              <a:t>06/09/2019</a:t>
+              <a:pPr/>
+              <a:t>09/09/2019</a:t>
             </a:fld>
             <a:endParaRPr lang="it-IT"/>
           </a:p>
@@ -3368,6 +3584,7 @@
           <a:p>
             <a:fld id="{6AC436C0-599C-402C-8FE0-A18BA4A0D950}" type="slidenum">
               <a:rPr lang="it-IT" smtClean="0"/>
+              <a:pPr/>
               <a:t>‹N›</a:t>
             </a:fld>
             <a:endParaRPr lang="it-IT"/>
@@ -3596,7 +3813,8 @@
           <a:p>
             <a:fld id="{9C5E9E46-A04A-498D-8B3B-78CAA83A4756}" type="datetimeFigureOut">
               <a:rPr lang="it-IT" smtClean="0"/>
-              <a:t>06/09/2019</a:t>
+              <a:pPr/>
+              <a:t>09/09/2019</a:t>
             </a:fld>
             <a:endParaRPr lang="it-IT"/>
           </a:p>
@@ -3642,6 +3860,7 @@
           <a:p>
             <a:fld id="{6AC436C0-599C-402C-8FE0-A18BA4A0D950}" type="slidenum">
               <a:rPr lang="it-IT" smtClean="0"/>
+              <a:pPr/>
               <a:t>‹N›</a:t>
             </a:fld>
             <a:endParaRPr lang="it-IT"/>
@@ -3801,7 +4020,8 @@
           <a:p>
             <a:fld id="{9C5E9E46-A04A-498D-8B3B-78CAA83A4756}" type="datetimeFigureOut">
               <a:rPr lang="it-IT" smtClean="0"/>
-              <a:t>06/09/2019</a:t>
+              <a:pPr/>
+              <a:t>09/09/2019</a:t>
             </a:fld>
             <a:endParaRPr lang="it-IT"/>
           </a:p>
@@ -3866,6 +4086,7 @@
           <a:p>
             <a:fld id="{6AC436C0-599C-402C-8FE0-A18BA4A0D950}" type="slidenum">
               <a:rPr lang="it-IT" smtClean="0"/>
+              <a:pPr/>
               <a:t>‹N›</a:t>
             </a:fld>
             <a:endParaRPr lang="it-IT"/>
@@ -4910,7 +5131,8 @@
           <a:p>
             <a:fld id="{9C5E9E46-A04A-498D-8B3B-78CAA83A4756}" type="datetimeFigureOut">
               <a:rPr lang="it-IT" smtClean="0"/>
-              <a:t>06/09/2019</a:t>
+              <a:pPr/>
+              <a:t>09/09/2019</a:t>
             </a:fld>
             <a:endParaRPr lang="it-IT"/>
           </a:p>
@@ -4986,6 +5208,7 @@
           <a:p>
             <a:fld id="{6AC436C0-599C-402C-8FE0-A18BA4A0D950}" type="slidenum">
               <a:rPr lang="it-IT" smtClean="0"/>
+              <a:pPr/>
               <a:t>‹N›</a:t>
             </a:fld>
             <a:endParaRPr lang="it-IT"/>
@@ -5335,15 +5558,7 @@
             <a:pPr algn="ctr"/>
             <a:r>
               <a:rPr lang="it-IT" dirty="0" smtClean="0"/>
-              <a:t>Progetto di </a:t>
-            </a:r>
-            <a:r>
-              <a:rPr lang="it-IT" dirty="0" smtClean="0"/>
-              <a:t>C</a:t>
-            </a:r>
-            <a:r>
-              <a:rPr lang="it-IT" dirty="0" smtClean="0"/>
-              <a:t>alcolatori Elettronici M</a:t>
+              <a:t>Progetto di Calcolatori Elettronici M</a:t>
             </a:r>
             <a:endParaRPr lang="it-IT" dirty="0"/>
           </a:p>
@@ -5575,11 +5790,7 @@
             <a:pPr lvl="1"/>
             <a:r>
               <a:rPr lang="it-IT" dirty="0" smtClean="0"/>
-              <a:t>Previsioni </a:t>
-            </a:r>
-            <a:r>
-              <a:rPr lang="it-IT" dirty="0" smtClean="0"/>
-              <a:t>meteo</a:t>
+              <a:t>Previsioni meteo</a:t>
             </a:r>
           </a:p>
           <a:p>
@@ -5835,15 +6046,7 @@
             </a:pPr>
             <a:r>
               <a:rPr lang="it-IT" dirty="0" smtClean="0"/>
-              <a:t>Configurazione </a:t>
-            </a:r>
-            <a:r>
-              <a:rPr lang="it-IT" dirty="0" smtClean="0"/>
-              <a:t>parametri </a:t>
-            </a:r>
-            <a:r>
-              <a:rPr lang="it-IT" dirty="0" smtClean="0"/>
-              <a:t>simulatore</a:t>
+              <a:t>Configurazione parametri simulatore</a:t>
             </a:r>
           </a:p>
           <a:p>
@@ -5876,13 +6079,8 @@
             </a:pPr>
             <a:r>
               <a:rPr lang="it-IT" dirty="0" smtClean="0"/>
-              <a:t>Gestione </a:t>
-            </a:r>
-            <a:r>
-              <a:rPr lang="it-IT" dirty="0" smtClean="0"/>
-              <a:t>politiche</a:t>
-            </a:r>
-            <a:endParaRPr lang="it-IT" dirty="0" smtClean="0"/>
+              <a:t>Gestione politiche</a:t>
+            </a:r>
           </a:p>
           <a:p>
             <a:pPr>
@@ -6049,20 +6247,13 @@
             </a:r>
             <a:r>
               <a:rPr lang="it-IT" dirty="0" smtClean="0"/>
-              <a:t> </a:t>
+              <a:t> (esempio </a:t>
             </a:r>
             <a:r>
               <a:rPr lang="it-IT" dirty="0" smtClean="0"/>
-              <a:t>(esempio con: </a:t>
-            </a:r>
-            <a:r>
-              <a:rPr lang="it-IT" dirty="0" err="1" smtClean="0"/>
-              <a:t>Apache-jena</a:t>
-            </a:r>
-            <a:r>
-              <a:rPr lang="it-IT" dirty="0" smtClean="0"/>
-              <a:t>)</a:t>
-            </a:r>
+              <a:t>con: SEPA)</a:t>
+            </a:r>
+            <a:endParaRPr lang="it-IT" dirty="0" smtClean="0"/>
           </a:p>
           <a:p>
             <a:pPr lvl="1"/>

--- a/Progetto di Calcolatori Elettronici M.pptx
+++ b/Progetto di Calcolatori Elettronici M.pptx
@@ -522,12 +522,12 @@
               <a:t>webvowl</a:t>
             </a:r>
             <a:r>
-              <a:rPr lang="it-IT" smtClean="0">
+              <a:rPr lang="it-IT" dirty="0" smtClean="0">
                 <a:hlinkClick r:id="rId3"/>
               </a:rPr>
               <a:t>/</a:t>
             </a:r>
-            <a:endParaRPr lang="it-IT"/>
+            <a:endParaRPr lang="it-IT" dirty="0"/>
           </a:p>
         </p:txBody>
       </p:sp>
@@ -967,12 +967,12 @@
               <a:t> non ha tutte le </a:t>
             </a:r>
             <a:r>
-              <a:rPr lang="it-IT" baseline="0" dirty="0" err="1" smtClean="0"/>
-              <a:t>funzionalita</a:t>
-            </a:r>
-            <a:r>
               <a:rPr lang="it-IT" baseline="0" dirty="0" smtClean="0"/>
-              <a:t> di SEPA (esempio-&gt; </a:t>
+              <a:t>funzionalità </a:t>
+            </a:r>
+            <a:r>
+              <a:rPr lang="it-IT" baseline="0" dirty="0" smtClean="0"/>
+              <a:t>di SEPA (esempio-&gt; </a:t>
             </a:r>
             <a:r>
               <a:rPr lang="it-IT" baseline="0" dirty="0" err="1" smtClean="0"/>
@@ -6247,13 +6247,8 @@
             </a:r>
             <a:r>
               <a:rPr lang="it-IT" dirty="0" smtClean="0"/>
-              <a:t> (esempio </a:t>
-            </a:r>
-            <a:r>
-              <a:rPr lang="it-IT" dirty="0" smtClean="0"/>
-              <a:t>con: SEPA)</a:t>
-            </a:r>
-            <a:endParaRPr lang="it-IT" dirty="0" smtClean="0"/>
+              <a:t> (esempio con: SEPA)</a:t>
+            </a:r>
           </a:p>
           <a:p>
             <a:pPr lvl="1"/>

--- a/Progetto di Calcolatori Elettronici M.pptx
+++ b/Progetto di Calcolatori Elettronici M.pptx
@@ -197,7 +197,7 @@
             <a:fld id="{568C05EA-012E-4E6E-9669-8DCAEEA55B9C}" type="datetimeFigureOut">
               <a:rPr lang="it-IT" smtClean="0"/>
               <a:pPr/>
-              <a:t>09/09/2019</a:t>
+              <a:t>10/09/2019</a:t>
             </a:fld>
             <a:endParaRPr lang="it-IT"/>
           </a:p>
@@ -527,6 +527,16 @@
               </a:rPr>
               <a:t>/</a:t>
             </a:r>
+            <a:endParaRPr lang="it-IT" dirty="0" smtClean="0"/>
+          </a:p>
+          <a:p>
+            <a:r>
+              <a:rPr lang="it-IT" dirty="0" err="1" smtClean="0"/>
+              <a:t>Arces</a:t>
+            </a:r>
+            <a:endParaRPr lang="it-IT" dirty="0" smtClean="0"/>
+          </a:p>
+          <a:p>
             <a:endParaRPr lang="it-IT" dirty="0"/>
           </a:p>
         </p:txBody>
@@ -964,15 +974,7 @@
             </a:r>
             <a:r>
               <a:rPr lang="it-IT" baseline="0" dirty="0" smtClean="0"/>
-              <a:t> non ha tutte le </a:t>
-            </a:r>
-            <a:r>
-              <a:rPr lang="it-IT" baseline="0" dirty="0" smtClean="0"/>
-              <a:t>funzionalità </a:t>
-            </a:r>
-            <a:r>
-              <a:rPr lang="it-IT" baseline="0" dirty="0" smtClean="0"/>
-              <a:t>di SEPA (esempio-&gt; </a:t>
+              <a:t> non ha tutte le funzionalità di SEPA (esempio-&gt; </a:t>
             </a:r>
             <a:r>
               <a:rPr lang="it-IT" baseline="0" dirty="0" err="1" smtClean="0"/>
@@ -1659,7 +1661,7 @@
             <a:fld id="{9C5E9E46-A04A-498D-8B3B-78CAA83A4756}" type="datetimeFigureOut">
               <a:rPr lang="it-IT" smtClean="0"/>
               <a:pPr/>
-              <a:t>09/09/2019</a:t>
+              <a:t>10/09/2019</a:t>
             </a:fld>
             <a:endParaRPr lang="it-IT"/>
           </a:p>
@@ -1857,7 +1859,7 @@
             <a:fld id="{9C5E9E46-A04A-498D-8B3B-78CAA83A4756}" type="datetimeFigureOut">
               <a:rPr lang="it-IT" smtClean="0"/>
               <a:pPr/>
-              <a:t>09/09/2019</a:t>
+              <a:t>10/09/2019</a:t>
             </a:fld>
             <a:endParaRPr lang="it-IT"/>
           </a:p>
@@ -2044,7 +2046,7 @@
             <a:fld id="{9C5E9E46-A04A-498D-8B3B-78CAA83A4756}" type="datetimeFigureOut">
               <a:rPr lang="it-IT" smtClean="0"/>
               <a:pPr/>
-              <a:t>09/09/2019</a:t>
+              <a:t>10/09/2019</a:t>
             </a:fld>
             <a:endParaRPr lang="it-IT"/>
           </a:p>
@@ -2196,7 +2198,7 @@
             <a:fld id="{9C5E9E46-A04A-498D-8B3B-78CAA83A4756}" type="datetimeFigureOut">
               <a:rPr lang="it-IT" smtClean="0"/>
               <a:pPr/>
-              <a:t>09/09/2019</a:t>
+              <a:t>10/09/2019</a:t>
             </a:fld>
             <a:endParaRPr lang="it-IT"/>
           </a:p>
@@ -2453,7 +2455,7 @@
             <a:fld id="{9C5E9E46-A04A-498D-8B3B-78CAA83A4756}" type="datetimeFigureOut">
               <a:rPr lang="it-IT" smtClean="0"/>
               <a:pPr/>
-              <a:t>09/09/2019</a:t>
+              <a:t>10/09/2019</a:t>
             </a:fld>
             <a:endParaRPr lang="it-IT"/>
           </a:p>
@@ -2864,7 +2866,7 @@
             <a:fld id="{9C5E9E46-A04A-498D-8B3B-78CAA83A4756}" type="datetimeFigureOut">
               <a:rPr lang="it-IT" smtClean="0"/>
               <a:pPr/>
-              <a:t>09/09/2019</a:t>
+              <a:t>10/09/2019</a:t>
             </a:fld>
             <a:endParaRPr lang="it-IT"/>
           </a:p>
@@ -3312,7 +3314,7 @@
             <a:fld id="{9C5E9E46-A04A-498D-8B3B-78CAA83A4756}" type="datetimeFigureOut">
               <a:rPr lang="it-IT" smtClean="0"/>
               <a:pPr/>
-              <a:t>09/09/2019</a:t>
+              <a:t>10/09/2019</a:t>
             </a:fld>
             <a:endParaRPr lang="it-IT"/>
           </a:p>
@@ -3415,7 +3417,7 @@
             <a:fld id="{9C5E9E46-A04A-498D-8B3B-78CAA83A4756}" type="datetimeFigureOut">
               <a:rPr lang="it-IT" smtClean="0"/>
               <a:pPr/>
-              <a:t>09/09/2019</a:t>
+              <a:t>10/09/2019</a:t>
             </a:fld>
             <a:endParaRPr lang="it-IT"/>
           </a:p>
@@ -3538,7 +3540,7 @@
             <a:fld id="{9C5E9E46-A04A-498D-8B3B-78CAA83A4756}" type="datetimeFigureOut">
               <a:rPr lang="it-IT" smtClean="0"/>
               <a:pPr/>
-              <a:t>09/09/2019</a:t>
+              <a:t>10/09/2019</a:t>
             </a:fld>
             <a:endParaRPr lang="it-IT"/>
           </a:p>
@@ -3814,7 +3816,7 @@
             <a:fld id="{9C5E9E46-A04A-498D-8B3B-78CAA83A4756}" type="datetimeFigureOut">
               <a:rPr lang="it-IT" smtClean="0"/>
               <a:pPr/>
-              <a:t>09/09/2019</a:t>
+              <a:t>10/09/2019</a:t>
             </a:fld>
             <a:endParaRPr lang="it-IT"/>
           </a:p>
@@ -4021,7 +4023,7 @@
             <a:fld id="{9C5E9E46-A04A-498D-8B3B-78CAA83A4756}" type="datetimeFigureOut">
               <a:rPr lang="it-IT" smtClean="0"/>
               <a:pPr/>
-              <a:t>09/09/2019</a:t>
+              <a:t>10/09/2019</a:t>
             </a:fld>
             <a:endParaRPr lang="it-IT"/>
           </a:p>
@@ -5132,7 +5134,7 @@
             <a:fld id="{9C5E9E46-A04A-498D-8B3B-78CAA83A4756}" type="datetimeFigureOut">
               <a:rPr lang="it-IT" smtClean="0"/>
               <a:pPr/>
-              <a:t>09/09/2019</a:t>
+              <a:t>10/09/2019</a:t>
             </a:fld>
             <a:endParaRPr lang="it-IT"/>
           </a:p>
@@ -6210,7 +6212,7 @@
         <p:spPr/>
         <p:txBody>
           <a:bodyPr>
-            <a:normAutofit lnSpcReduction="10000"/>
+            <a:normAutofit fontScale="92500" lnSpcReduction="10000"/>
           </a:bodyPr>
           <a:lstStyle/>
           <a:p>
@@ -6225,7 +6227,7 @@
           <a:p>
             <a:r>
               <a:rPr lang="it-IT" dirty="0" smtClean="0"/>
-              <a:t>Possibili estensioni, migliorie, usi:</a:t>
+              <a:t>Possibili estensioni, migliorie:</a:t>
             </a:r>
           </a:p>
           <a:p>
@@ -6247,14 +6249,30 @@
             </a:r>
             <a:r>
               <a:rPr lang="it-IT" dirty="0" smtClean="0"/>
-              <a:t> (esempio con: SEPA)</a:t>
+              <a:t> (esempio con: SEPA, che è in grado di gestire al meglio </a:t>
+            </a:r>
+            <a:r>
+              <a:rPr lang="it-IT" dirty="0" err="1" smtClean="0"/>
+              <a:t>sparql</a:t>
+            </a:r>
+            <a:r>
+              <a:rPr lang="it-IT" dirty="0" smtClean="0"/>
+              <a:t> con tutte le sue funzionalità ed è permanente al contrario della </a:t>
+            </a:r>
+            <a:r>
+              <a:rPr lang="it-IT" dirty="0" err="1" smtClean="0"/>
+              <a:t>Sib</a:t>
+            </a:r>
+            <a:r>
+              <a:rPr lang="it-IT" dirty="0" smtClean="0"/>
+              <a:t>)</a:t>
             </a:r>
           </a:p>
           <a:p>
             <a:pPr lvl="1"/>
             <a:r>
               <a:rPr lang="it-IT" dirty="0" smtClean="0"/>
-              <a:t>Ricerca e implementazione di una libreria in grado di trasformare oggetti java in triple per sostituire il connettore attualmente implementato</a:t>
+              <a:t>Ricerca e implementazione di una libreria in grado di trasformare oggetti java in triple per sostituire il connettore attualmente implementato.</a:t>
             </a:r>
           </a:p>
           <a:p>
